--- a/docs/Kubernetes-on-AWS-QuickStart.pptx
+++ b/docs/Kubernetes-on-AWS-QuickStart.pptx
@@ -204,7 +204,7 @@
             <a:fld id="{814910AB-AEF0-414C-82CB-791080B1186B}" type="datetimeFigureOut">
               <a:rPr lang="en-US" smtClean="0"/>
               <a:pPr/>
-              <a:t>10/21/2016</a:t>
+              <a:t>9/18/2017</a:t>
             </a:fld>
             <a:endParaRPr lang="en-US" dirty="0"/>
           </a:p>
@@ -278,6 +278,11 @@
         </p:txBody>
       </p:sp>
     </p:spTree>
+    <p:extLst>
+      <p:ext uri="{BB962C8B-B14F-4D97-AF65-F5344CB8AC3E}">
+        <p14:creationId xmlns:p14="http://schemas.microsoft.com/office/powerpoint/2010/main" val="3191983970"/>
+      </p:ext>
+    </p:extLst>
   </p:cSld>
   <p:clrMap bg1="lt1" tx1="dk1" bg2="lt2" tx2="dk2" accent1="accent1" accent2="accent2" accent3="accent3" accent4="accent4" accent5="accent5" accent6="accent6" hlink="hlink" folHlink="folHlink"/>
 </p:handoutMaster>
@@ -366,7 +371,7 @@
             <a:fld id="{5B4AE38D-E020-46F3-803D-8636C5B7B74E}" type="datetimeFigureOut">
               <a:rPr lang="en-US" smtClean="0"/>
               <a:pPr/>
-              <a:t>10/21/2016</a:t>
+              <a:t>9/18/2017</a:t>
             </a:fld>
             <a:endParaRPr lang="en-US" dirty="0"/>
           </a:p>
@@ -535,6 +540,11 @@
         </p:txBody>
       </p:sp>
     </p:spTree>
+    <p:extLst>
+      <p:ext uri="{BB962C8B-B14F-4D97-AF65-F5344CB8AC3E}">
+        <p14:creationId xmlns:p14="http://schemas.microsoft.com/office/powerpoint/2010/main" val="3694328315"/>
+      </p:ext>
+    </p:extLst>
   </p:cSld>
   <p:clrMap bg1="lt1" tx1="dk1" bg2="lt2" tx2="dk2" accent1="accent1" accent2="accent2" accent3="accent3" accent4="accent4" accent5="accent5" accent6="accent6" hlink="hlink" folHlink="folHlink"/>
   <p:notesStyle>
@@ -939,7 +949,7 @@
             <a:fld id="{7DDB771E-4AED-4DD3-8AA1-5D9FD2224F14}" type="datetimeFigureOut">
               <a:rPr lang="en-US" smtClean="0"/>
               <a:pPr/>
-              <a:t>10/21/2016</a:t>
+              <a:t>9/18/2017</a:t>
             </a:fld>
             <a:endParaRPr lang="en-US" dirty="0"/>
           </a:p>
@@ -1106,7 +1116,7 @@
             <a:fld id="{7DDB771E-4AED-4DD3-8AA1-5D9FD2224F14}" type="datetimeFigureOut">
               <a:rPr lang="en-US" smtClean="0"/>
               <a:pPr/>
-              <a:t>10/21/2016</a:t>
+              <a:t>9/18/2017</a:t>
             </a:fld>
             <a:endParaRPr lang="en-US" dirty="0"/>
           </a:p>
@@ -1283,7 +1293,7 @@
             <a:fld id="{7DDB771E-4AED-4DD3-8AA1-5D9FD2224F14}" type="datetimeFigureOut">
               <a:rPr lang="en-US" smtClean="0"/>
               <a:pPr/>
-              <a:t>10/21/2016</a:t>
+              <a:t>9/18/2017</a:t>
             </a:fld>
             <a:endParaRPr lang="en-US" dirty="0"/>
           </a:p>
@@ -1450,7 +1460,7 @@
             <a:fld id="{7DDB771E-4AED-4DD3-8AA1-5D9FD2224F14}" type="datetimeFigureOut">
               <a:rPr lang="en-US" smtClean="0"/>
               <a:pPr/>
-              <a:t>10/21/2016</a:t>
+              <a:t>9/18/2017</a:t>
             </a:fld>
             <a:endParaRPr lang="en-US" dirty="0"/>
           </a:p>
@@ -1693,7 +1703,7 @@
             <a:fld id="{7DDB771E-4AED-4DD3-8AA1-5D9FD2224F14}" type="datetimeFigureOut">
               <a:rPr lang="en-US" smtClean="0"/>
               <a:pPr/>
-              <a:t>10/21/2016</a:t>
+              <a:t>9/18/2017</a:t>
             </a:fld>
             <a:endParaRPr lang="en-US" dirty="0"/>
           </a:p>
@@ -1978,7 +1988,7 @@
             <a:fld id="{7DDB771E-4AED-4DD3-8AA1-5D9FD2224F14}" type="datetimeFigureOut">
               <a:rPr lang="en-US" smtClean="0"/>
               <a:pPr/>
-              <a:t>10/21/2016</a:t>
+              <a:t>9/18/2017</a:t>
             </a:fld>
             <a:endParaRPr lang="en-US" dirty="0"/>
           </a:p>
@@ -2397,7 +2407,7 @@
             <a:fld id="{7DDB771E-4AED-4DD3-8AA1-5D9FD2224F14}" type="datetimeFigureOut">
               <a:rPr lang="en-US" smtClean="0"/>
               <a:pPr/>
-              <a:t>10/21/2016</a:t>
+              <a:t>9/18/2017</a:t>
             </a:fld>
             <a:endParaRPr lang="en-US" dirty="0"/>
           </a:p>
@@ -2512,7 +2522,7 @@
             <a:fld id="{7DDB771E-4AED-4DD3-8AA1-5D9FD2224F14}" type="datetimeFigureOut">
               <a:rPr lang="en-US" smtClean="0"/>
               <a:pPr/>
-              <a:t>10/21/2016</a:t>
+              <a:t>9/18/2017</a:t>
             </a:fld>
             <a:endParaRPr lang="en-US" dirty="0"/>
           </a:p>
@@ -2604,7 +2614,7 @@
             <a:fld id="{7DDB771E-4AED-4DD3-8AA1-5D9FD2224F14}" type="datetimeFigureOut">
               <a:rPr lang="en-US" smtClean="0"/>
               <a:pPr/>
-              <a:t>10/21/2016</a:t>
+              <a:t>9/18/2017</a:t>
             </a:fld>
             <a:endParaRPr lang="en-US" dirty="0"/>
           </a:p>
@@ -2878,7 +2888,7 @@
             <a:fld id="{7DDB771E-4AED-4DD3-8AA1-5D9FD2224F14}" type="datetimeFigureOut">
               <a:rPr lang="en-US" smtClean="0"/>
               <a:pPr/>
-              <a:t>10/21/2016</a:t>
+              <a:t>9/18/2017</a:t>
             </a:fld>
             <a:endParaRPr lang="en-US" dirty="0"/>
           </a:p>
@@ -3128,7 +3138,7 @@
             <a:fld id="{7DDB771E-4AED-4DD3-8AA1-5D9FD2224F14}" type="datetimeFigureOut">
               <a:rPr lang="en-US" smtClean="0"/>
               <a:pPr/>
-              <a:t>10/21/2016</a:t>
+              <a:t>9/18/2017</a:t>
             </a:fld>
             <a:endParaRPr lang="en-US" dirty="0"/>
           </a:p>
@@ -3338,7 +3348,7 @@
             <a:fld id="{7DDB771E-4AED-4DD3-8AA1-5D9FD2224F14}" type="datetimeFigureOut">
               <a:rPr lang="en-US" smtClean="0"/>
               <a:pPr/>
-              <a:t>10/21/2016</a:t>
+              <a:t>9/18/2017</a:t>
             </a:fld>
             <a:endParaRPr lang="en-US" dirty="0"/>
           </a:p>
@@ -3824,7 +3834,7 @@
                 <a:ea typeface="+mj-ea"/>
                 <a:cs typeface="+mj-cs"/>
               </a:rPr>
-              <a:t>Docker and Kubernetes on AWS QuickStart</a:t>
+              <a:t>Kubernetes on AWS QuickStart</a:t>
             </a:r>
             <a:endParaRPr kumimoji="0" lang="en-US" sz="4000" b="0" i="0" u="none" strike="noStrike" kern="1200" cap="none" spc="0" normalizeH="0" baseline="0" noProof="0" dirty="0">
               <a:ln>
@@ -3929,8 +3939,9 @@
             </a:pPr>
             <a:r>
               <a:rPr lang="en-US" dirty="0" smtClean="0"/>
-              <a:t>  Enterprise/Mobile/Infrastructure Developer</a:t>
-            </a:r>
+              <a:t> Enterprise/Mobile/Embedded/IoT/Infrastructure</a:t>
+            </a:r>
+            <a:endParaRPr lang="en-US" dirty="0" smtClean="0"/>
           </a:p>
           <a:p>
             <a:pPr>
@@ -3939,8 +3950,21 @@
             </a:pPr>
             <a:r>
               <a:rPr lang="en-US" dirty="0" smtClean="0"/>
-              <a:t>  Focused on Open Source Software</a:t>
-            </a:r>
+              <a:t> </a:t>
+            </a:r>
+            <a:r>
+              <a:rPr lang="en-US" dirty="0" smtClean="0"/>
+              <a:t>Focused </a:t>
+            </a:r>
+            <a:r>
+              <a:rPr lang="en-US" dirty="0" smtClean="0"/>
+              <a:t>on Open Source </a:t>
+            </a:r>
+            <a:r>
+              <a:rPr lang="en-US" dirty="0" smtClean="0"/>
+              <a:t>Solutions</a:t>
+            </a:r>
+            <a:endParaRPr lang="en-US" dirty="0" smtClean="0"/>
           </a:p>
           <a:p>
             <a:pPr>
@@ -3949,7 +3973,15 @@
             </a:pPr>
             <a:r>
               <a:rPr lang="en-US" dirty="0" smtClean="0"/>
-              <a:t>  Motivation:</a:t>
+              <a:t> </a:t>
+            </a:r>
+            <a:r>
+              <a:rPr lang="en-US" dirty="0" smtClean="0"/>
+              <a:t>Motivation</a:t>
+            </a:r>
+            <a:r>
+              <a:rPr lang="en-US" dirty="0" smtClean="0"/>
+              <a:t>:</a:t>
             </a:r>
           </a:p>
           <a:p>
@@ -4091,15 +4123,7 @@
             </a:pPr>
             <a:r>
               <a:rPr lang="en-US" dirty="0" smtClean="0"/>
-              <a:t>  Have </a:t>
-            </a:r>
-            <a:r>
-              <a:rPr lang="en-US" dirty="0" smtClean="0"/>
-              <a:t>limited </a:t>
-            </a:r>
-            <a:r>
-              <a:rPr lang="en-US" dirty="0" smtClean="0"/>
-              <a:t>Resources</a:t>
+              <a:t>  Have limited Resources</a:t>
             </a:r>
           </a:p>
         </p:txBody>
@@ -4211,7 +4235,7 @@
             </a:pPr>
             <a:r>
               <a:rPr lang="en-US" dirty="0" smtClean="0"/>
-              <a:t>  Docker and Kubernetes on AWS</a:t>
+              <a:t>  Kubernetes on AWS</a:t>
             </a:r>
           </a:p>
         </p:txBody>
@@ -5603,7 +5627,7 @@
         <p:spPr>
           <a:xfrm>
             <a:off x="1263242" y="1367318"/>
-            <a:ext cx="6705600" cy="3970318"/>
+            <a:ext cx="6705600" cy="5047536"/>
           </a:xfrm>
           <a:prstGeom prst="rect">
             <a:avLst/>
@@ -5617,89 +5641,132 @@
           <a:lstStyle/>
           <a:p>
             <a:r>
-              <a:rPr lang="en-US" dirty="0" smtClean="0"/>
+              <a:rPr lang="en-US" sz="1400" dirty="0" smtClean="0"/>
               <a:t># configure aws client tools</a:t>
             </a:r>
           </a:p>
           <a:p>
             <a:r>
-              <a:rPr lang="en-US" dirty="0" smtClean="0"/>
+              <a:rPr lang="en-US" sz="1400" dirty="0" smtClean="0"/>
               <a:t>aws configure</a:t>
             </a:r>
           </a:p>
           <a:p>
-            <a:endParaRPr lang="en-US" dirty="0" smtClean="0"/>
-          </a:p>
-          <a:p>
-            <a:r>
-              <a:rPr lang="en-US" dirty="0" smtClean="0"/>
-              <a:t># </a:t>
-            </a:r>
-            <a:r>
-              <a:rPr lang="en-US" smtClean="0"/>
-              <a:t>set kubernetes environment </a:t>
-            </a:r>
-            <a:r>
-              <a:rPr lang="en-US" dirty="0" smtClean="0"/>
-              <a:t>variables</a:t>
-            </a:r>
-          </a:p>
-          <a:p>
-            <a:r>
-              <a:rPr lang="en-US" dirty="0" smtClean="0"/>
+            <a:endParaRPr lang="en-US" sz="1400" dirty="0" smtClean="0"/>
+          </a:p>
+          <a:p>
+            <a:r>
+              <a:rPr lang="en-US" sz="1400" dirty="0" smtClean="0"/>
+              <a:t># set kubernetes environment variables</a:t>
+            </a:r>
+          </a:p>
+          <a:p>
+            <a:r>
+              <a:rPr lang="en-US" sz="1400" dirty="0"/>
+              <a:t>export KUBERNETES_RELEASE=v1.4.3</a:t>
+            </a:r>
+          </a:p>
+          <a:p>
+            <a:r>
+              <a:rPr lang="en-US" sz="1400" dirty="0"/>
+              <a:t>export KUBERNETES_PROVIDER=aws</a:t>
+            </a:r>
+          </a:p>
+          <a:p>
+            <a:r>
+              <a:rPr lang="en-US" sz="1400" dirty="0"/>
+              <a:t>export KUBERNETES_SKIP_CONFIRM=true</a:t>
+            </a:r>
+          </a:p>
+          <a:p>
+            <a:endParaRPr lang="en-US" sz="1400" dirty="0" smtClean="0"/>
+          </a:p>
+          <a:p>
+            <a:r>
+              <a:rPr lang="en-US" sz="1400" dirty="0" smtClean="0"/>
+              <a:t># installation script</a:t>
+            </a:r>
+            <a:endParaRPr lang="en-US" sz="1400" dirty="0"/>
+          </a:p>
+          <a:p>
+            <a:r>
+              <a:rPr lang="en-US" sz="1400" dirty="0"/>
+              <a:t>curl -sS https://get.k8s.io | sed '$d' | </a:t>
+            </a:r>
+            <a:r>
+              <a:rPr lang="en-US" sz="1400" dirty="0" smtClean="0"/>
+              <a:t>bash</a:t>
+            </a:r>
+          </a:p>
+          <a:p>
+            <a:endParaRPr lang="en-US" sz="1400" dirty="0" smtClean="0"/>
+          </a:p>
+          <a:p>
+            <a:r>
+              <a:rPr lang="en-US" sz="1400" dirty="0"/>
+              <a:t># set kubernetes environment variables</a:t>
+            </a:r>
+          </a:p>
+          <a:p>
+            <a:r>
+              <a:rPr lang="en-US" sz="1400" dirty="0"/>
               <a:t>export NUM_NODES=3</a:t>
             </a:r>
           </a:p>
           <a:p>
             <a:r>
-              <a:rPr lang="en-US" dirty="0" smtClean="0"/>
+              <a:rPr lang="en-US" sz="1400" dirty="0"/>
               <a:t>export KUBE_AWS_INSTANCE_PREFIX=k8s</a:t>
             </a:r>
           </a:p>
           <a:p>
             <a:r>
-              <a:rPr lang="en-US" dirty="0" smtClean="0"/>
+              <a:rPr lang="en-US" sz="1400" dirty="0"/>
               <a:t>export KUBE_AWS_ZONE=us-east-1a</a:t>
             </a:r>
           </a:p>
           <a:p>
             <a:r>
-              <a:rPr lang="en-US" dirty="0" smtClean="0"/>
+              <a:rPr lang="en-US" sz="1400" dirty="0"/>
               <a:t>export MASTER_SIZE=t2.micro</a:t>
             </a:r>
           </a:p>
           <a:p>
             <a:r>
-              <a:rPr lang="en-US" dirty="0" smtClean="0"/>
+              <a:rPr lang="en-US" sz="1400" dirty="0"/>
               <a:t>export AWS_S3_REGION=us-east-1</a:t>
             </a:r>
           </a:p>
           <a:p>
             <a:r>
-              <a:rPr lang="en-US" dirty="0" smtClean="0"/>
+              <a:rPr lang="en-US" sz="1400" dirty="0"/>
               <a:t>export NODE_SIZE=t2.micro</a:t>
             </a:r>
           </a:p>
           <a:p>
             <a:r>
-              <a:rPr lang="en-US" dirty="0" smtClean="0"/>
+              <a:rPr lang="en-US" sz="1400" dirty="0"/>
               <a:t>export KUBERNETES_PROVIDER=aws</a:t>
             </a:r>
           </a:p>
           <a:p>
-            <a:endParaRPr lang="en-US" dirty="0" smtClean="0"/>
-          </a:p>
-          <a:p>
-            <a:r>
-              <a:rPr lang="en-US" dirty="0" smtClean="0"/>
-              <a:t># installation script</a:t>
-            </a:r>
-          </a:p>
-          <a:p>
-            <a:r>
-              <a:rPr lang="en-US" dirty="0" smtClean="0"/>
-              <a:t>curl -sS https://get.k8s.io | bash</a:t>
-            </a:r>
+            <a:endParaRPr lang="en-US" sz="1400" dirty="0" smtClean="0"/>
+          </a:p>
+          <a:p>
+            <a:endParaRPr lang="en-US" sz="1400" dirty="0" smtClean="0"/>
+          </a:p>
+          <a:p>
+            <a:r>
+              <a:rPr lang="en-US" sz="1400" dirty="0"/>
+              <a:t># start cluster (takes about 10 minutes)</a:t>
+            </a:r>
+          </a:p>
+          <a:p>
+            <a:r>
+              <a:rPr lang="en-US" sz="1400" dirty="0"/>
+              <a:t>kubernetes/cluster/kube-up.sh</a:t>
+            </a:r>
+            <a:endParaRPr lang="en-US" sz="1400" dirty="0" smtClean="0"/>
           </a:p>
         </p:txBody>
       </p:sp>
@@ -5810,7 +5877,23 @@
             </a:pPr>
             <a:r>
               <a:rPr lang="en-US" dirty="0" smtClean="0"/>
-              <a:t>  To save time the amazon-linux-ami and the kubernetes cluster are already configured and running</a:t>
+              <a:t>  To save time the amazon-linux-ami and the kubernetes cluster are </a:t>
+            </a:r>
+            <a:r>
+              <a:rPr lang="en-US" smtClean="0"/>
+              <a:t>already </a:t>
+            </a:r>
+            <a:r>
+              <a:rPr lang="en-US" smtClean="0"/>
+              <a:t>provisioned </a:t>
+            </a:r>
+            <a:r>
+              <a:rPr lang="en-US" dirty="0" smtClean="0"/>
+              <a:t>and </a:t>
+            </a:r>
+            <a:r>
+              <a:rPr lang="en-US" dirty="0" smtClean="0"/>
+              <a:t>running</a:t>
             </a:r>
           </a:p>
           <a:p>

--- a/docs/Kubernetes-on-AWS-QuickStart.pptx
+++ b/docs/Kubernetes-on-AWS-QuickStart.pptx
@@ -5,10 +5,10 @@
     <p:sldMasterId id="2147483852" r:id="rId1"/>
   </p:sldMasterIdLst>
   <p:notesMasterIdLst>
-    <p:notesMasterId r:id="rId11"/>
+    <p:notesMasterId r:id="rId10"/>
   </p:notesMasterIdLst>
   <p:handoutMasterIdLst>
-    <p:handoutMasterId r:id="rId12"/>
+    <p:handoutMasterId r:id="rId11"/>
   </p:handoutMasterIdLst>
   <p:sldIdLst>
     <p:sldId id="256" r:id="rId2"/>
@@ -16,10 +16,9 @@
     <p:sldId id="261" r:id="rId4"/>
     <p:sldId id="259" r:id="rId5"/>
     <p:sldId id="264" r:id="rId6"/>
-    <p:sldId id="266" r:id="rId7"/>
-    <p:sldId id="262" r:id="rId8"/>
-    <p:sldId id="263" r:id="rId9"/>
-    <p:sldId id="265" r:id="rId10"/>
+    <p:sldId id="262" r:id="rId7"/>
+    <p:sldId id="263" r:id="rId8"/>
+    <p:sldId id="265" r:id="rId9"/>
   </p:sldIdLst>
   <p:sldSz cx="9144000" cy="6858000" type="screen4x3"/>
   <p:notesSz cx="6858000" cy="9144000"/>
@@ -204,7 +203,7 @@
             <a:fld id="{814910AB-AEF0-414C-82CB-791080B1186B}" type="datetimeFigureOut">
               <a:rPr lang="en-US" smtClean="0"/>
               <a:pPr/>
-              <a:t>9/18/2017</a:t>
+              <a:t>10/6/2017</a:t>
             </a:fld>
             <a:endParaRPr lang="en-US" dirty="0"/>
           </a:p>
@@ -371,7 +370,7 @@
             <a:fld id="{5B4AE38D-E020-46F3-803D-8636C5B7B74E}" type="datetimeFigureOut">
               <a:rPr lang="en-US" smtClean="0"/>
               <a:pPr/>
-              <a:t>9/18/2017</a:t>
+              <a:t>10/6/2017</a:t>
             </a:fld>
             <a:endParaRPr lang="en-US" dirty="0"/>
           </a:p>
@@ -753,7 +752,7 @@
             <a:fld id="{74DE7DC8-A302-4EFB-9208-987A80C71CE4}" type="slidenum">
               <a:rPr lang="en-US" smtClean="0"/>
               <a:pPr/>
-              <a:t>7</a:t>
+              <a:t>6</a:t>
             </a:fld>
             <a:endParaRPr lang="en-US" dirty="0"/>
           </a:p>
@@ -949,7 +948,7 @@
             <a:fld id="{7DDB771E-4AED-4DD3-8AA1-5D9FD2224F14}" type="datetimeFigureOut">
               <a:rPr lang="en-US" smtClean="0"/>
               <a:pPr/>
-              <a:t>9/18/2017</a:t>
+              <a:t>10/6/2017</a:t>
             </a:fld>
             <a:endParaRPr lang="en-US" dirty="0"/>
           </a:p>
@@ -1116,7 +1115,7 @@
             <a:fld id="{7DDB771E-4AED-4DD3-8AA1-5D9FD2224F14}" type="datetimeFigureOut">
               <a:rPr lang="en-US" smtClean="0"/>
               <a:pPr/>
-              <a:t>9/18/2017</a:t>
+              <a:t>10/6/2017</a:t>
             </a:fld>
             <a:endParaRPr lang="en-US" dirty="0"/>
           </a:p>
@@ -1293,7 +1292,7 @@
             <a:fld id="{7DDB771E-4AED-4DD3-8AA1-5D9FD2224F14}" type="datetimeFigureOut">
               <a:rPr lang="en-US" smtClean="0"/>
               <a:pPr/>
-              <a:t>9/18/2017</a:t>
+              <a:t>10/6/2017</a:t>
             </a:fld>
             <a:endParaRPr lang="en-US" dirty="0"/>
           </a:p>
@@ -1460,7 +1459,7 @@
             <a:fld id="{7DDB771E-4AED-4DD3-8AA1-5D9FD2224F14}" type="datetimeFigureOut">
               <a:rPr lang="en-US" smtClean="0"/>
               <a:pPr/>
-              <a:t>9/18/2017</a:t>
+              <a:t>10/6/2017</a:t>
             </a:fld>
             <a:endParaRPr lang="en-US" dirty="0"/>
           </a:p>
@@ -1703,7 +1702,7 @@
             <a:fld id="{7DDB771E-4AED-4DD3-8AA1-5D9FD2224F14}" type="datetimeFigureOut">
               <a:rPr lang="en-US" smtClean="0"/>
               <a:pPr/>
-              <a:t>9/18/2017</a:t>
+              <a:t>10/6/2017</a:t>
             </a:fld>
             <a:endParaRPr lang="en-US" dirty="0"/>
           </a:p>
@@ -1988,7 +1987,7 @@
             <a:fld id="{7DDB771E-4AED-4DD3-8AA1-5D9FD2224F14}" type="datetimeFigureOut">
               <a:rPr lang="en-US" smtClean="0"/>
               <a:pPr/>
-              <a:t>9/18/2017</a:t>
+              <a:t>10/6/2017</a:t>
             </a:fld>
             <a:endParaRPr lang="en-US" dirty="0"/>
           </a:p>
@@ -2407,7 +2406,7 @@
             <a:fld id="{7DDB771E-4AED-4DD3-8AA1-5D9FD2224F14}" type="datetimeFigureOut">
               <a:rPr lang="en-US" smtClean="0"/>
               <a:pPr/>
-              <a:t>9/18/2017</a:t>
+              <a:t>10/6/2017</a:t>
             </a:fld>
             <a:endParaRPr lang="en-US" dirty="0"/>
           </a:p>
@@ -2522,7 +2521,7 @@
             <a:fld id="{7DDB771E-4AED-4DD3-8AA1-5D9FD2224F14}" type="datetimeFigureOut">
               <a:rPr lang="en-US" smtClean="0"/>
               <a:pPr/>
-              <a:t>9/18/2017</a:t>
+              <a:t>10/6/2017</a:t>
             </a:fld>
             <a:endParaRPr lang="en-US" dirty="0"/>
           </a:p>
@@ -2614,7 +2613,7 @@
             <a:fld id="{7DDB771E-4AED-4DD3-8AA1-5D9FD2224F14}" type="datetimeFigureOut">
               <a:rPr lang="en-US" smtClean="0"/>
               <a:pPr/>
-              <a:t>9/18/2017</a:t>
+              <a:t>10/6/2017</a:t>
             </a:fld>
             <a:endParaRPr lang="en-US" dirty="0"/>
           </a:p>
@@ -2888,7 +2887,7 @@
             <a:fld id="{7DDB771E-4AED-4DD3-8AA1-5D9FD2224F14}" type="datetimeFigureOut">
               <a:rPr lang="en-US" smtClean="0"/>
               <a:pPr/>
-              <a:t>9/18/2017</a:t>
+              <a:t>10/6/2017</a:t>
             </a:fld>
             <a:endParaRPr lang="en-US" dirty="0"/>
           </a:p>
@@ -3138,7 +3137,7 @@
             <a:fld id="{7DDB771E-4AED-4DD3-8AA1-5D9FD2224F14}" type="datetimeFigureOut">
               <a:rPr lang="en-US" smtClean="0"/>
               <a:pPr/>
-              <a:t>9/18/2017</a:t>
+              <a:t>10/6/2017</a:t>
             </a:fld>
             <a:endParaRPr lang="en-US" dirty="0"/>
           </a:p>
@@ -3348,7 +3347,7 @@
             <a:fld id="{7DDB771E-4AED-4DD3-8AA1-5D9FD2224F14}" type="datetimeFigureOut">
               <a:rPr lang="en-US" smtClean="0"/>
               <a:pPr/>
-              <a:t>9/18/2017</a:t>
+              <a:t>10/6/2017</a:t>
             </a:fld>
             <a:endParaRPr lang="en-US" dirty="0"/>
           </a:p>
@@ -3743,24 +3742,23 @@
           <a:p>
             <a:pPr algn="ctr"/>
             <a:r>
-              <a:rPr lang="en-US" dirty="0" smtClean="0"/>
+              <a:rPr lang="en-US" dirty="0"/>
+              <a:t>Kirk S. Kalvar</a:t>
+            </a:r>
+          </a:p>
+          <a:p>
+            <a:pPr algn="ctr"/>
+            <a:r>
+              <a:rPr lang="en-US" dirty="0"/>
+              <a:t>Senior Software Engineer</a:t>
+            </a:r>
+          </a:p>
+          <a:p>
+            <a:pPr algn="ctr"/>
+            <a:r>
+              <a:rPr lang="en-US" dirty="0"/>
               <a:t>kirk.kalvar@kal.technology</a:t>
             </a:r>
-          </a:p>
-          <a:p>
-            <a:pPr algn="ctr"/>
-            <a:r>
-              <a:rPr lang="en-US" dirty="0" smtClean="0"/>
-              <a:t>@kskalvar</a:t>
-            </a:r>
-          </a:p>
-          <a:p>
-            <a:pPr algn="ctr"/>
-            <a:r>
-              <a:rPr lang="en-US" dirty="0" smtClean="0"/>
-              <a:t>(cell) 703-628-7677</a:t>
-            </a:r>
-            <a:endParaRPr lang="en-US" dirty="0"/>
           </a:p>
         </p:txBody>
       </p:sp>
@@ -3941,7 +3939,6 @@
               <a:rPr lang="en-US" dirty="0" smtClean="0"/>
               <a:t> Enterprise/Mobile/Embedded/IoT/Infrastructure</a:t>
             </a:r>
-            <a:endParaRPr lang="en-US" dirty="0" smtClean="0"/>
           </a:p>
           <a:p>
             <a:pPr>
@@ -3950,21 +3947,8 @@
             </a:pPr>
             <a:r>
               <a:rPr lang="en-US" dirty="0" smtClean="0"/>
-              <a:t> </a:t>
-            </a:r>
-            <a:r>
-              <a:rPr lang="en-US" dirty="0" smtClean="0"/>
-              <a:t>Focused </a:t>
-            </a:r>
-            <a:r>
-              <a:rPr lang="en-US" dirty="0" smtClean="0"/>
-              <a:t>on Open Source </a:t>
-            </a:r>
-            <a:r>
-              <a:rPr lang="en-US" dirty="0" smtClean="0"/>
-              <a:t>Solutions</a:t>
-            </a:r>
-            <a:endParaRPr lang="en-US" dirty="0" smtClean="0"/>
+              <a:t> Focused on Open Source Solutions</a:t>
+            </a:r>
           </a:p>
           <a:p>
             <a:pPr>
@@ -3973,15 +3957,7 @@
             </a:pPr>
             <a:r>
               <a:rPr lang="en-US" dirty="0" smtClean="0"/>
-              <a:t> </a:t>
-            </a:r>
-            <a:r>
-              <a:rPr lang="en-US" dirty="0" smtClean="0"/>
-              <a:t>Motivation</a:t>
-            </a:r>
-            <a:r>
-              <a:rPr lang="en-US" dirty="0" smtClean="0"/>
-              <a:t>:</a:t>
+              <a:t> Motivation:</a:t>
             </a:r>
           </a:p>
           <a:p>
@@ -4304,8 +4280,8 @@
         </p:nvSpPr>
         <p:spPr>
           <a:xfrm>
-            <a:off x="201336" y="1962507"/>
-            <a:ext cx="8581937" cy="4114612"/>
+            <a:off x="201336" y="2360604"/>
+            <a:ext cx="8581937" cy="3833739"/>
           </a:xfrm>
           <a:prstGeom prst="rect">
             <a:avLst/>
@@ -4338,56 +4314,13 @@
       </p:sp>
       <p:sp>
         <p:nvSpPr>
-          <p:cNvPr id="60" name="Rectangle 59"/>
-          <p:cNvSpPr/>
-          <p:nvPr/>
-        </p:nvSpPr>
-        <p:spPr>
-          <a:xfrm>
-            <a:off x="2195051" y="2597999"/>
-            <a:ext cx="5561704" cy="2702285"/>
-          </a:xfrm>
-          <a:prstGeom prst="rect">
-            <a:avLst/>
-          </a:prstGeom>
-          <a:solidFill>
-            <a:schemeClr val="bg2"/>
-          </a:solidFill>
-        </p:spPr>
-        <p:style>
-          <a:lnRef idx="2">
-            <a:schemeClr val="accent1">
-              <a:shade val="50000"/>
-            </a:schemeClr>
-          </a:lnRef>
-          <a:fillRef idx="1">
-            <a:schemeClr val="accent1"/>
-          </a:fillRef>
-          <a:effectRef idx="0">
-            <a:schemeClr val="accent1"/>
-          </a:effectRef>
-          <a:fontRef idx="minor">
-            <a:schemeClr val="lt1"/>
-          </a:fontRef>
-        </p:style>
-        <p:txBody>
-          <a:bodyPr rtlCol="0" anchor="ctr"/>
-          <a:lstStyle/>
-          <a:p>
-            <a:pPr algn="ctr"/>
-            <a:endParaRPr lang="en-US" dirty="0"/>
-          </a:p>
-        </p:txBody>
-      </p:sp>
-      <p:sp>
-        <p:nvSpPr>
           <p:cNvPr id="18" name="Rectangle 17"/>
           <p:cNvSpPr/>
           <p:nvPr/>
         </p:nvSpPr>
         <p:spPr>
           <a:xfrm>
-            <a:off x="545446" y="3213880"/>
+            <a:off x="545446" y="3331105"/>
             <a:ext cx="1295400" cy="1981200"/>
           </a:xfrm>
           <a:prstGeom prst="rect">
@@ -4435,7 +4368,7 @@
                   <a:schemeClr val="tx1"/>
                 </a:solidFill>
               </a:rPr>
-              <a:t>kubectl </a:t>
+              <a:t>kubectl</a:t>
             </a:r>
           </a:p>
           <a:p>
@@ -4446,7 +4379,18 @@
                   <a:schemeClr val="tx1"/>
                 </a:solidFill>
               </a:rPr>
-              <a:t>aws client </a:t>
+              <a:t>kops</a:t>
+            </a:r>
+          </a:p>
+          <a:p>
+            <a:pPr algn="ctr"/>
+            <a:r>
+              <a:rPr lang="en-US" dirty="0" smtClean="0">
+                <a:solidFill>
+                  <a:schemeClr val="tx1"/>
+                </a:solidFill>
+              </a:rPr>
+              <a:t>aws cli </a:t>
             </a:r>
             <a:endParaRPr lang="en-US" dirty="0">
               <a:solidFill>
@@ -4482,56 +4426,13 @@
       </p:pic>
       <p:sp>
         <p:nvSpPr>
-          <p:cNvPr id="4" name="Rectangle 3"/>
-          <p:cNvSpPr/>
-          <p:nvPr/>
-        </p:nvSpPr>
-        <p:spPr>
-          <a:xfrm>
-            <a:off x="2501465" y="3205491"/>
-            <a:ext cx="1161759" cy="1981200"/>
-          </a:xfrm>
-          <a:prstGeom prst="rect">
-            <a:avLst/>
-          </a:prstGeom>
-          <a:solidFill>
-            <a:schemeClr val="bg1"/>
-          </a:solidFill>
-        </p:spPr>
-        <p:style>
-          <a:lnRef idx="2">
-            <a:schemeClr val="accent1">
-              <a:shade val="50000"/>
-            </a:schemeClr>
-          </a:lnRef>
-          <a:fillRef idx="1">
-            <a:schemeClr val="accent1"/>
-          </a:fillRef>
-          <a:effectRef idx="0">
-            <a:schemeClr val="accent1"/>
-          </a:effectRef>
-          <a:fontRef idx="minor">
-            <a:schemeClr val="lt1"/>
-          </a:fontRef>
-        </p:style>
-        <p:txBody>
-          <a:bodyPr rtlCol="0" anchor="ctr"/>
-          <a:lstStyle/>
-          <a:p>
-            <a:pPr algn="ctr"/>
-            <a:endParaRPr lang="en-US" dirty="0"/>
-          </a:p>
-        </p:txBody>
-      </p:sp>
-      <p:sp>
-        <p:nvSpPr>
           <p:cNvPr id="11" name="TextBox 10"/>
           <p:cNvSpPr txBox="1"/>
           <p:nvPr/>
         </p:nvSpPr>
         <p:spPr>
           <a:xfrm>
-            <a:off x="313269" y="2868527"/>
+            <a:off x="414864" y="2985752"/>
             <a:ext cx="1666162" cy="338554"/>
           </a:xfrm>
           <a:prstGeom prst="rect">
@@ -4555,109 +4456,6 @@
       </p:sp>
       <p:sp>
         <p:nvSpPr>
-          <p:cNvPr id="12" name="TextBox 11"/>
-          <p:cNvSpPr txBox="1"/>
-          <p:nvPr/>
-        </p:nvSpPr>
-        <p:spPr>
-          <a:xfrm>
-            <a:off x="2448451" y="2868527"/>
-            <a:ext cx="1218347" cy="369332"/>
-          </a:xfrm>
-          <a:prstGeom prst="rect">
-            <a:avLst/>
-          </a:prstGeom>
-          <a:noFill/>
-        </p:spPr>
-        <p:txBody>
-          <a:bodyPr wrap="none" rtlCol="0">
-            <a:spAutoFit/>
-          </a:bodyPr>
-          <a:lstStyle/>
-          <a:p>
-            <a:r>
-              <a:rPr lang="en-US" dirty="0" smtClean="0"/>
-              <a:t>k8s-master</a:t>
-            </a:r>
-            <a:endParaRPr lang="en-US" dirty="0"/>
-          </a:p>
-        </p:txBody>
-      </p:sp>
-      <p:sp>
-        <p:nvSpPr>
-          <p:cNvPr id="24" name="Rectangle 23"/>
-          <p:cNvSpPr/>
-          <p:nvPr/>
-        </p:nvSpPr>
-        <p:spPr>
-          <a:xfrm>
-            <a:off x="6228314" y="3205491"/>
-            <a:ext cx="1295400" cy="1981200"/>
-          </a:xfrm>
-          <a:prstGeom prst="rect">
-            <a:avLst/>
-          </a:prstGeom>
-          <a:solidFill>
-            <a:schemeClr val="bg1"/>
-          </a:solidFill>
-        </p:spPr>
-        <p:style>
-          <a:lnRef idx="2">
-            <a:schemeClr val="accent1">
-              <a:shade val="50000"/>
-            </a:schemeClr>
-          </a:lnRef>
-          <a:fillRef idx="1">
-            <a:schemeClr val="accent1"/>
-          </a:fillRef>
-          <a:effectRef idx="0">
-            <a:schemeClr val="accent1"/>
-          </a:effectRef>
-          <a:fontRef idx="minor">
-            <a:schemeClr val="lt1"/>
-          </a:fontRef>
-        </p:style>
-        <p:txBody>
-          <a:bodyPr rtlCol="0" anchor="ctr"/>
-          <a:lstStyle/>
-          <a:p>
-            <a:pPr algn="ctr"/>
-            <a:endParaRPr lang="en-US" dirty="0"/>
-          </a:p>
-        </p:txBody>
-      </p:sp>
-      <p:sp>
-        <p:nvSpPr>
-          <p:cNvPr id="25" name="TextBox 24"/>
-          <p:cNvSpPr txBox="1"/>
-          <p:nvPr/>
-        </p:nvSpPr>
-        <p:spPr>
-          <a:xfrm>
-            <a:off x="6228314" y="2868527"/>
-            <a:ext cx="1221809" cy="369332"/>
-          </a:xfrm>
-          <a:prstGeom prst="rect">
-            <a:avLst/>
-          </a:prstGeom>
-          <a:noFill/>
-        </p:spPr>
-        <p:txBody>
-          <a:bodyPr wrap="none" rtlCol="0">
-            <a:spAutoFit/>
-          </a:bodyPr>
-          <a:lstStyle/>
-          <a:p>
-            <a:r>
-              <a:rPr lang="en-US" dirty="0" smtClean="0"/>
-              <a:t>k8s-minion</a:t>
-            </a:r>
-            <a:endParaRPr lang="en-US" dirty="0"/>
-          </a:p>
-        </p:txBody>
-      </p:sp>
-      <p:sp>
-        <p:nvSpPr>
           <p:cNvPr id="47" name="Title 1"/>
           <p:cNvSpPr>
             <a:spLocks noGrp="1"/>
@@ -4679,139 +4477,6 @@
             <a:r>
               <a:rPr lang="en-US" dirty="0" smtClean="0"/>
               <a:t>Demo Architecture</a:t>
-            </a:r>
-            <a:endParaRPr lang="en-US" dirty="0"/>
-          </a:p>
-        </p:txBody>
-      </p:sp>
-      <p:sp>
-        <p:nvSpPr>
-          <p:cNvPr id="42" name="Rectangle 41"/>
-          <p:cNvSpPr/>
-          <p:nvPr/>
-        </p:nvSpPr>
-        <p:spPr>
-          <a:xfrm>
-            <a:off x="3881834" y="3227256"/>
-            <a:ext cx="1295400" cy="1981200"/>
-          </a:xfrm>
-          <a:prstGeom prst="rect">
-            <a:avLst/>
-          </a:prstGeom>
-          <a:solidFill>
-            <a:schemeClr val="bg1"/>
-          </a:solidFill>
-        </p:spPr>
-        <p:style>
-          <a:lnRef idx="2">
-            <a:schemeClr val="accent1">
-              <a:shade val="50000"/>
-            </a:schemeClr>
-          </a:lnRef>
-          <a:fillRef idx="1">
-            <a:schemeClr val="accent1"/>
-          </a:fillRef>
-          <a:effectRef idx="0">
-            <a:schemeClr val="accent1"/>
-          </a:effectRef>
-          <a:fontRef idx="minor">
-            <a:schemeClr val="lt1"/>
-          </a:fontRef>
-        </p:style>
-        <p:txBody>
-          <a:bodyPr rtlCol="0" anchor="ctr"/>
-          <a:lstStyle/>
-          <a:p>
-            <a:pPr algn="ctr"/>
-            <a:endParaRPr lang="en-US" dirty="0"/>
-          </a:p>
-        </p:txBody>
-      </p:sp>
-      <p:sp>
-        <p:nvSpPr>
-          <p:cNvPr id="44" name="TextBox 43"/>
-          <p:cNvSpPr txBox="1"/>
-          <p:nvPr/>
-        </p:nvSpPr>
-        <p:spPr>
-          <a:xfrm>
-            <a:off x="3851360" y="2890292"/>
-            <a:ext cx="1221809" cy="369332"/>
-          </a:xfrm>
-          <a:prstGeom prst="rect">
-            <a:avLst/>
-          </a:prstGeom>
-          <a:noFill/>
-        </p:spPr>
-        <p:txBody>
-          <a:bodyPr wrap="none" rtlCol="0">
-            <a:spAutoFit/>
-          </a:bodyPr>
-          <a:lstStyle/>
-          <a:p>
-            <a:r>
-              <a:rPr lang="en-US" dirty="0" smtClean="0"/>
-              <a:t>k8s-minion</a:t>
-            </a:r>
-            <a:endParaRPr lang="en-US" dirty="0"/>
-          </a:p>
-        </p:txBody>
-      </p:sp>
-      <p:sp>
-        <p:nvSpPr>
-          <p:cNvPr id="52" name="TextBox 51"/>
-          <p:cNvSpPr txBox="1"/>
-          <p:nvPr/>
-        </p:nvSpPr>
-        <p:spPr>
-          <a:xfrm>
-            <a:off x="4013974" y="2644654"/>
-            <a:ext cx="1964449" cy="369332"/>
-          </a:xfrm>
-          <a:prstGeom prst="rect">
-            <a:avLst/>
-          </a:prstGeom>
-          <a:noFill/>
-        </p:spPr>
-        <p:txBody>
-          <a:bodyPr wrap="none" rtlCol="0">
-            <a:spAutoFit/>
-          </a:bodyPr>
-          <a:lstStyle/>
-          <a:p>
-            <a:r>
-              <a:rPr lang="en-US" dirty="0" smtClean="0"/>
-              <a:t>Kubernetes Cluster</a:t>
-            </a:r>
-            <a:endParaRPr lang="en-US" dirty="0"/>
-          </a:p>
-        </p:txBody>
-      </p:sp>
-      <p:sp>
-        <p:nvSpPr>
-          <p:cNvPr id="55" name="TextBox 54"/>
-          <p:cNvSpPr txBox="1"/>
-          <p:nvPr/>
-        </p:nvSpPr>
-        <p:spPr>
-          <a:xfrm>
-            <a:off x="5492024" y="3969200"/>
-            <a:ext cx="415498" cy="369332"/>
-          </a:xfrm>
-          <a:prstGeom prst="rect">
-            <a:avLst/>
-          </a:prstGeom>
-          <a:noFill/>
-        </p:spPr>
-        <p:txBody>
-          <a:bodyPr wrap="none" rtlCol="0">
-            <a:spAutoFit/>
-          </a:bodyPr>
-          <a:lstStyle/>
-          <a:p>
-            <a:r>
-              <a:rPr lang="en-US" dirty="0" smtClean="0"/>
-              <a:t>…</a:t>
             </a:r>
             <a:endParaRPr lang="en-US" dirty="0"/>
           </a:p>
@@ -4825,9 +4490,9 @@
         </p:nvGrpSpPr>
         <p:grpSpPr>
           <a:xfrm>
-            <a:off x="218896" y="1128576"/>
-            <a:ext cx="1981200" cy="684950"/>
-            <a:chOff x="3338175" y="1569089"/>
+            <a:off x="230521" y="1174025"/>
+            <a:ext cx="1981200" cy="538396"/>
+            <a:chOff x="3482655" y="1282971"/>
             <a:chExt cx="1981200" cy="955997"/>
           </a:xfrm>
         </p:grpSpPr>
@@ -4839,7 +4504,7 @@
           </p:nvSpPr>
           <p:spPr>
             <a:xfrm rot="16200000">
-              <a:off x="3850776" y="1056488"/>
+              <a:off x="3995256" y="770370"/>
               <a:ext cx="955997" cy="1981200"/>
             </a:xfrm>
             <a:prstGeom prst="rect">
@@ -4882,8 +4547,8 @@
           </p:nvSpPr>
           <p:spPr>
             <a:xfrm>
-              <a:off x="3621089" y="1849613"/>
-              <a:ext cx="1280094" cy="369332"/>
+              <a:off x="3785204" y="1442770"/>
+              <a:ext cx="1280094" cy="369331"/>
             </a:xfrm>
             <a:prstGeom prst="rect">
               <a:avLst/>
@@ -4913,7 +4578,7 @@
         </p:nvSpPr>
         <p:spPr>
           <a:xfrm>
-            <a:off x="332605" y="2243380"/>
+            <a:off x="332605" y="2360605"/>
             <a:ext cx="1021370" cy="369332"/>
           </a:xfrm>
           <a:prstGeom prst="rect">
@@ -4943,8 +4608,8 @@
         </p:nvGrpSpPr>
         <p:grpSpPr>
           <a:xfrm>
-            <a:off x="6778707" y="1218375"/>
-            <a:ext cx="1981200" cy="699440"/>
+            <a:off x="6786140" y="1162569"/>
+            <a:ext cx="1981200" cy="538397"/>
             <a:chOff x="4983818" y="1453041"/>
             <a:chExt cx="1981200" cy="955997"/>
           </a:xfrm>
@@ -5000,8 +4665,8 @@
           </p:nvSpPr>
           <p:spPr>
             <a:xfrm>
-              <a:off x="5216397" y="1733564"/>
-              <a:ext cx="1442318" cy="504805"/>
+              <a:off x="5216397" y="1636429"/>
+              <a:ext cx="1442318" cy="504804"/>
             </a:xfrm>
             <a:prstGeom prst="rect">
               <a:avLst/>
@@ -5031,9 +4696,9 @@
         </p:nvGrpSpPr>
         <p:grpSpPr>
           <a:xfrm>
-            <a:off x="2216252" y="2062502"/>
-            <a:ext cx="5519733" cy="512402"/>
-            <a:chOff x="3171039" y="2734138"/>
+            <a:off x="2204226" y="2445437"/>
+            <a:ext cx="5531760" cy="512402"/>
+            <a:chOff x="3171039" y="2773213"/>
             <a:chExt cx="2541864" cy="512402"/>
           </a:xfrm>
         </p:grpSpPr>
@@ -5045,7 +4710,7 @@
           </p:nvSpPr>
           <p:spPr>
             <a:xfrm>
-              <a:off x="3171039" y="2734138"/>
+              <a:off x="3171039" y="2773213"/>
               <a:ext cx="2541864" cy="512402"/>
             </a:xfrm>
             <a:prstGeom prst="rect">
@@ -5088,8 +4753,8 @@
           </p:nvSpPr>
           <p:spPr>
             <a:xfrm>
-              <a:off x="3958283" y="2805959"/>
-              <a:ext cx="893816" cy="369332"/>
+              <a:off x="3992635" y="2805959"/>
+              <a:ext cx="889249" cy="369332"/>
             </a:xfrm>
             <a:prstGeom prst="rect">
               <a:avLst/>
@@ -5111,140 +4776,30 @@
           </p:txBody>
         </p:sp>
       </p:grpSp>
-      <p:sp>
-        <p:nvSpPr>
-          <p:cNvPr id="33" name="Rectangle 32"/>
-          <p:cNvSpPr/>
-          <p:nvPr/>
-        </p:nvSpPr>
-        <p:spPr>
-          <a:xfrm>
-            <a:off x="3942824" y="3331324"/>
-            <a:ext cx="1191237" cy="402672"/>
-          </a:xfrm>
-          <a:prstGeom prst="rect">
-            <a:avLst/>
-          </a:prstGeom>
-          <a:solidFill>
-            <a:srgbClr val="FFC000"/>
-          </a:solidFill>
-        </p:spPr>
-        <p:style>
-          <a:lnRef idx="2">
-            <a:schemeClr val="accent1">
-              <a:shade val="50000"/>
-            </a:schemeClr>
-          </a:lnRef>
-          <a:fillRef idx="1">
-            <a:schemeClr val="accent1"/>
-          </a:fillRef>
-          <a:effectRef idx="0">
-            <a:schemeClr val="accent1"/>
-          </a:effectRef>
-          <a:fontRef idx="minor">
-            <a:schemeClr val="lt1"/>
-          </a:fontRef>
-        </p:style>
-        <p:txBody>
-          <a:bodyPr rtlCol="0" anchor="ctr"/>
-          <a:lstStyle/>
-          <a:p>
-            <a:pPr algn="ctr"/>
-            <a:r>
-              <a:rPr lang="en-US" dirty="0" smtClean="0">
-                <a:solidFill>
-                  <a:schemeClr val="tx1"/>
-                </a:solidFill>
-              </a:rPr>
-              <a:t>Web</a:t>
-            </a:r>
-            <a:endParaRPr lang="en-US" dirty="0">
-              <a:solidFill>
-                <a:schemeClr val="tx1"/>
-              </a:solidFill>
-            </a:endParaRPr>
-          </a:p>
-        </p:txBody>
-      </p:sp>
-      <p:sp>
-        <p:nvSpPr>
-          <p:cNvPr id="35" name="Rectangle 34"/>
-          <p:cNvSpPr/>
-          <p:nvPr/>
-        </p:nvSpPr>
-        <p:spPr>
-          <a:xfrm>
-            <a:off x="6286149" y="3342509"/>
-            <a:ext cx="1191237" cy="402672"/>
-          </a:xfrm>
-          <a:prstGeom prst="rect">
-            <a:avLst/>
-          </a:prstGeom>
-          <a:solidFill>
-            <a:srgbClr val="FFC000"/>
-          </a:solidFill>
-        </p:spPr>
-        <p:style>
-          <a:lnRef idx="2">
-            <a:schemeClr val="accent1">
-              <a:shade val="50000"/>
-            </a:schemeClr>
-          </a:lnRef>
-          <a:fillRef idx="1">
-            <a:schemeClr val="accent1"/>
-          </a:fillRef>
-          <a:effectRef idx="0">
-            <a:schemeClr val="accent1"/>
-          </a:effectRef>
-          <a:fontRef idx="minor">
-            <a:schemeClr val="lt1"/>
-          </a:fontRef>
-        </p:style>
-        <p:txBody>
-          <a:bodyPr rtlCol="0" anchor="ctr"/>
-          <a:lstStyle/>
-          <a:p>
-            <a:pPr algn="ctr"/>
-            <a:r>
-              <a:rPr lang="en-US" dirty="0" smtClean="0">
-                <a:solidFill>
-                  <a:schemeClr val="tx1"/>
-                </a:solidFill>
-              </a:rPr>
-              <a:t>Web</a:t>
-            </a:r>
-            <a:endParaRPr lang="en-US" dirty="0">
-              <a:solidFill>
-                <a:schemeClr val="tx1"/>
-              </a:solidFill>
-            </a:endParaRPr>
-          </a:p>
-        </p:txBody>
-      </p:sp>
       <p:grpSp>
         <p:nvGrpSpPr>
-          <p:cNvPr id="32" name="Group 31"/>
+          <p:cNvPr id="2" name="Group 1"/>
           <p:cNvGrpSpPr/>
           <p:nvPr/>
         </p:nvGrpSpPr>
         <p:grpSpPr>
-          <a:xfrm rot="5400000">
-            <a:off x="6692930" y="3686809"/>
-            <a:ext cx="2698363" cy="512402"/>
-            <a:chOff x="2604599" y="1779282"/>
-            <a:chExt cx="2541864" cy="512402"/>
+          <a:xfrm>
+            <a:off x="2195051" y="3027825"/>
+            <a:ext cx="5561704" cy="2419478"/>
+            <a:chOff x="2195051" y="2879340"/>
+            <a:chExt cx="5561704" cy="2419478"/>
           </a:xfrm>
         </p:grpSpPr>
         <p:sp>
           <p:nvSpPr>
-            <p:cNvPr id="36" name="Rectangle 35"/>
+            <p:cNvPr id="60" name="Rectangle 59"/>
             <p:cNvSpPr/>
             <p:nvPr/>
           </p:nvSpPr>
           <p:spPr>
             <a:xfrm>
-              <a:off x="2604599" y="1779282"/>
-              <a:ext cx="2541864" cy="512402"/>
+              <a:off x="2195051" y="2879340"/>
+              <a:ext cx="5561704" cy="2419478"/>
             </a:xfrm>
             <a:prstGeom prst="rect">
               <a:avLst/>
@@ -5280,14 +4835,57 @@
         </p:sp>
         <p:sp>
           <p:nvSpPr>
-            <p:cNvPr id="37" name="TextBox 36"/>
+            <p:cNvPr id="4" name="Rectangle 3"/>
+            <p:cNvSpPr/>
+            <p:nvPr/>
+          </p:nvSpPr>
+          <p:spPr>
+            <a:xfrm>
+              <a:off x="2501465" y="3463386"/>
+              <a:ext cx="1161759" cy="1671309"/>
+            </a:xfrm>
+            <a:prstGeom prst="rect">
+              <a:avLst/>
+            </a:prstGeom>
+            <a:solidFill>
+              <a:schemeClr val="bg1"/>
+            </a:solidFill>
+          </p:spPr>
+          <p:style>
+            <a:lnRef idx="2">
+              <a:schemeClr val="accent1">
+                <a:shade val="50000"/>
+              </a:schemeClr>
+            </a:lnRef>
+            <a:fillRef idx="1">
+              <a:schemeClr val="accent1"/>
+            </a:fillRef>
+            <a:effectRef idx="0">
+              <a:schemeClr val="accent1"/>
+            </a:effectRef>
+            <a:fontRef idx="minor">
+              <a:schemeClr val="lt1"/>
+            </a:fontRef>
+          </p:style>
+          <p:txBody>
+            <a:bodyPr rtlCol="0" anchor="ctr"/>
+            <a:lstStyle/>
+            <a:p>
+              <a:pPr algn="ctr"/>
+              <a:endParaRPr lang="en-US" dirty="0"/>
+            </a:p>
+          </p:txBody>
+        </p:sp>
+        <p:sp>
+          <p:nvSpPr>
+            <p:cNvPr id="12" name="TextBox 11"/>
             <p:cNvSpPr txBox="1"/>
             <p:nvPr/>
           </p:nvSpPr>
           <p:spPr>
             <a:xfrm>
-              <a:off x="2989233" y="1875380"/>
-              <a:ext cx="1745602" cy="369332"/>
+              <a:off x="2667271" y="3126422"/>
+              <a:ext cx="836832" cy="369332"/>
             </a:xfrm>
             <a:prstGeom prst="rect">
               <a:avLst/>
@@ -5295,19 +4893,335 @@
             <a:noFill/>
           </p:spPr>
           <p:txBody>
-            <a:bodyPr wrap="square" rtlCol="0">
+            <a:bodyPr wrap="none" rtlCol="0">
               <a:spAutoFit/>
             </a:bodyPr>
             <a:lstStyle/>
             <a:p>
               <a:r>
                 <a:rPr lang="en-US" dirty="0" smtClean="0"/>
-                <a:t>EC2 Auto Scaling</a:t>
+                <a:t>master</a:t>
               </a:r>
               <a:endParaRPr lang="en-US" dirty="0"/>
             </a:p>
           </p:txBody>
         </p:sp>
+        <p:sp>
+          <p:nvSpPr>
+            <p:cNvPr id="24" name="Rectangle 23"/>
+            <p:cNvSpPr/>
+            <p:nvPr/>
+          </p:nvSpPr>
+          <p:spPr>
+            <a:xfrm>
+              <a:off x="6228314" y="3463386"/>
+              <a:ext cx="1295400" cy="1671309"/>
+            </a:xfrm>
+            <a:prstGeom prst="rect">
+              <a:avLst/>
+            </a:prstGeom>
+            <a:solidFill>
+              <a:schemeClr val="bg1"/>
+            </a:solidFill>
+          </p:spPr>
+          <p:style>
+            <a:lnRef idx="2">
+              <a:schemeClr val="accent1">
+                <a:shade val="50000"/>
+              </a:schemeClr>
+            </a:lnRef>
+            <a:fillRef idx="1">
+              <a:schemeClr val="accent1"/>
+            </a:fillRef>
+            <a:effectRef idx="0">
+              <a:schemeClr val="accent1"/>
+            </a:effectRef>
+            <a:fontRef idx="minor">
+              <a:schemeClr val="lt1"/>
+            </a:fontRef>
+          </p:style>
+          <p:txBody>
+            <a:bodyPr rtlCol="0" anchor="ctr"/>
+            <a:lstStyle/>
+            <a:p>
+              <a:pPr algn="ctr"/>
+              <a:endParaRPr lang="en-US" dirty="0"/>
+            </a:p>
+          </p:txBody>
+        </p:sp>
+        <p:sp>
+          <p:nvSpPr>
+            <p:cNvPr id="25" name="TextBox 24"/>
+            <p:cNvSpPr txBox="1"/>
+            <p:nvPr/>
+          </p:nvSpPr>
+          <p:spPr>
+            <a:xfrm>
+              <a:off x="6486209" y="3126422"/>
+              <a:ext cx="665567" cy="369332"/>
+            </a:xfrm>
+            <a:prstGeom prst="rect">
+              <a:avLst/>
+            </a:prstGeom>
+            <a:noFill/>
+          </p:spPr>
+          <p:txBody>
+            <a:bodyPr wrap="none" rtlCol="0">
+              <a:spAutoFit/>
+            </a:bodyPr>
+            <a:lstStyle/>
+            <a:p>
+              <a:r>
+                <a:rPr lang="en-US" dirty="0" smtClean="0"/>
+                <a:t>node</a:t>
+              </a:r>
+              <a:endParaRPr lang="en-US" dirty="0"/>
+            </a:p>
+          </p:txBody>
+        </p:sp>
+        <p:sp>
+          <p:nvSpPr>
+            <p:cNvPr id="42" name="Rectangle 41"/>
+            <p:cNvSpPr/>
+            <p:nvPr/>
+          </p:nvSpPr>
+          <p:spPr>
+            <a:xfrm>
+              <a:off x="3881834" y="3485151"/>
+              <a:ext cx="1295400" cy="1649544"/>
+            </a:xfrm>
+            <a:prstGeom prst="rect">
+              <a:avLst/>
+            </a:prstGeom>
+            <a:solidFill>
+              <a:schemeClr val="bg1"/>
+            </a:solidFill>
+          </p:spPr>
+          <p:style>
+            <a:lnRef idx="2">
+              <a:schemeClr val="accent1">
+                <a:shade val="50000"/>
+              </a:schemeClr>
+            </a:lnRef>
+            <a:fillRef idx="1">
+              <a:schemeClr val="accent1"/>
+            </a:fillRef>
+            <a:effectRef idx="0">
+              <a:schemeClr val="accent1"/>
+            </a:effectRef>
+            <a:fontRef idx="minor">
+              <a:schemeClr val="lt1"/>
+            </a:fontRef>
+          </p:style>
+          <p:txBody>
+            <a:bodyPr rtlCol="0" anchor="ctr"/>
+            <a:lstStyle/>
+            <a:p>
+              <a:pPr algn="ctr"/>
+              <a:endParaRPr lang="en-US" dirty="0"/>
+            </a:p>
+          </p:txBody>
+        </p:sp>
+        <p:sp>
+          <p:nvSpPr>
+            <p:cNvPr id="44" name="TextBox 43"/>
+            <p:cNvSpPr txBox="1"/>
+            <p:nvPr/>
+          </p:nvSpPr>
+          <p:spPr>
+            <a:xfrm>
+              <a:off x="4203035" y="3148187"/>
+              <a:ext cx="665567" cy="369332"/>
+            </a:xfrm>
+            <a:prstGeom prst="rect">
+              <a:avLst/>
+            </a:prstGeom>
+            <a:noFill/>
+          </p:spPr>
+          <p:txBody>
+            <a:bodyPr wrap="none" rtlCol="0">
+              <a:spAutoFit/>
+            </a:bodyPr>
+            <a:lstStyle/>
+            <a:p>
+              <a:r>
+                <a:rPr lang="en-US" dirty="0" smtClean="0"/>
+                <a:t>node</a:t>
+              </a:r>
+              <a:endParaRPr lang="en-US" dirty="0"/>
+            </a:p>
+          </p:txBody>
+        </p:sp>
+        <p:sp>
+          <p:nvSpPr>
+            <p:cNvPr id="52" name="TextBox 51"/>
+            <p:cNvSpPr txBox="1"/>
+            <p:nvPr/>
+          </p:nvSpPr>
+          <p:spPr>
+            <a:xfrm>
+              <a:off x="4013974" y="2902549"/>
+              <a:ext cx="1964449" cy="369332"/>
+            </a:xfrm>
+            <a:prstGeom prst="rect">
+              <a:avLst/>
+            </a:prstGeom>
+            <a:noFill/>
+          </p:spPr>
+          <p:txBody>
+            <a:bodyPr wrap="none" rtlCol="0">
+              <a:spAutoFit/>
+            </a:bodyPr>
+            <a:lstStyle/>
+            <a:p>
+              <a:r>
+                <a:rPr lang="en-US" dirty="0" smtClean="0"/>
+                <a:t>Kubernetes Cluster</a:t>
+              </a:r>
+              <a:endParaRPr lang="en-US" dirty="0"/>
+            </a:p>
+          </p:txBody>
+        </p:sp>
+        <p:sp>
+          <p:nvSpPr>
+            <p:cNvPr id="55" name="TextBox 54"/>
+            <p:cNvSpPr txBox="1"/>
+            <p:nvPr/>
+          </p:nvSpPr>
+          <p:spPr>
+            <a:xfrm>
+              <a:off x="5492024" y="4227095"/>
+              <a:ext cx="415498" cy="369332"/>
+            </a:xfrm>
+            <a:prstGeom prst="rect">
+              <a:avLst/>
+            </a:prstGeom>
+            <a:noFill/>
+          </p:spPr>
+          <p:txBody>
+            <a:bodyPr wrap="none" rtlCol="0">
+              <a:spAutoFit/>
+            </a:bodyPr>
+            <a:lstStyle/>
+            <a:p>
+              <a:r>
+                <a:rPr lang="en-US" dirty="0" smtClean="0"/>
+                <a:t>…</a:t>
+              </a:r>
+              <a:endParaRPr lang="en-US" dirty="0"/>
+            </a:p>
+          </p:txBody>
+        </p:sp>
+        <p:sp>
+          <p:nvSpPr>
+            <p:cNvPr id="33" name="Rectangle 32"/>
+            <p:cNvSpPr/>
+            <p:nvPr/>
+          </p:nvSpPr>
+          <p:spPr>
+            <a:xfrm>
+              <a:off x="3942824" y="3589219"/>
+              <a:ext cx="1191237" cy="402672"/>
+            </a:xfrm>
+            <a:prstGeom prst="rect">
+              <a:avLst/>
+            </a:prstGeom>
+            <a:solidFill>
+              <a:srgbClr val="FFC000"/>
+            </a:solidFill>
+          </p:spPr>
+          <p:style>
+            <a:lnRef idx="2">
+              <a:schemeClr val="accent1">
+                <a:shade val="50000"/>
+              </a:schemeClr>
+            </a:lnRef>
+            <a:fillRef idx="1">
+              <a:schemeClr val="accent1"/>
+            </a:fillRef>
+            <a:effectRef idx="0">
+              <a:schemeClr val="accent1"/>
+            </a:effectRef>
+            <a:fontRef idx="minor">
+              <a:schemeClr val="lt1"/>
+            </a:fontRef>
+          </p:style>
+          <p:txBody>
+            <a:bodyPr rtlCol="0" anchor="ctr"/>
+            <a:lstStyle/>
+            <a:p>
+              <a:pPr algn="ctr"/>
+              <a:r>
+                <a:rPr lang="en-US" dirty="0" smtClean="0">
+                  <a:solidFill>
+                    <a:schemeClr val="tx1"/>
+                  </a:solidFill>
+                </a:rPr>
+                <a:t>Web</a:t>
+              </a:r>
+              <a:endParaRPr lang="en-US" dirty="0">
+                <a:solidFill>
+                  <a:schemeClr val="tx1"/>
+                </a:solidFill>
+              </a:endParaRPr>
+            </a:p>
+          </p:txBody>
+        </p:sp>
+        <p:sp>
+          <p:nvSpPr>
+            <p:cNvPr id="35" name="Rectangle 34"/>
+            <p:cNvSpPr/>
+            <p:nvPr/>
+          </p:nvSpPr>
+          <p:spPr>
+            <a:xfrm>
+              <a:off x="6286149" y="3600404"/>
+              <a:ext cx="1191237" cy="402672"/>
+            </a:xfrm>
+            <a:prstGeom prst="rect">
+              <a:avLst/>
+            </a:prstGeom>
+            <a:solidFill>
+              <a:srgbClr val="FFC000"/>
+            </a:solidFill>
+          </p:spPr>
+          <p:style>
+            <a:lnRef idx="2">
+              <a:schemeClr val="accent1">
+                <a:shade val="50000"/>
+              </a:schemeClr>
+            </a:lnRef>
+            <a:fillRef idx="1">
+              <a:schemeClr val="accent1"/>
+            </a:fillRef>
+            <a:effectRef idx="0">
+              <a:schemeClr val="accent1"/>
+            </a:effectRef>
+            <a:fontRef idx="minor">
+              <a:schemeClr val="lt1"/>
+            </a:fontRef>
+          </p:style>
+          <p:txBody>
+            <a:bodyPr rtlCol="0" anchor="ctr"/>
+            <a:lstStyle/>
+            <a:p>
+              <a:pPr algn="ctr"/>
+              <a:r>
+                <a:rPr lang="en-US" dirty="0" smtClean="0">
+                  <a:solidFill>
+                    <a:schemeClr val="tx1"/>
+                  </a:solidFill>
+                </a:rPr>
+                <a:t>Web</a:t>
+              </a:r>
+              <a:endParaRPr lang="en-US" dirty="0">
+                <a:solidFill>
+                  <a:schemeClr val="tx1"/>
+                </a:solidFill>
+              </a:endParaRPr>
+            </a:p>
+          </p:txBody>
+        </p:sp>
       </p:grpSp>
       <p:sp>
         <p:nvSpPr>
@@ -5317,8 +5231,8 @@
         </p:nvSpPr>
         <p:spPr>
           <a:xfrm>
-            <a:off x="226576" y="6133764"/>
-            <a:ext cx="8529005" cy="505752"/>
+            <a:off x="226576" y="6250989"/>
+            <a:ext cx="8556697" cy="505752"/>
           </a:xfrm>
           <a:prstGeom prst="rect">
             <a:avLst/>
@@ -5345,7 +5259,7 @@
           <a:lstStyle/>
           <a:p>
             <a:pPr algn="ctr"/>
-            <a:endParaRPr lang="en-US"/>
+            <a:endParaRPr lang="en-US" dirty="0"/>
           </a:p>
         </p:txBody>
       </p:sp>
@@ -5357,7 +5271,7 @@
         </p:nvSpPr>
         <p:spPr>
           <a:xfrm>
-            <a:off x="315089" y="6231397"/>
+            <a:off x="315089" y="6348622"/>
             <a:ext cx="1404654" cy="369332"/>
           </a:xfrm>
           <a:prstGeom prst="rect">
@@ -5381,13 +5295,243 @@
       </p:sp>
       <p:sp>
         <p:nvSpPr>
-          <p:cNvPr id="40" name="Rectangle 39"/>
+          <p:cNvPr id="41" name="Rectangle 40"/>
           <p:cNvSpPr/>
           <p:nvPr/>
         </p:nvSpPr>
         <p:spPr>
           <a:xfrm>
-            <a:off x="3325504" y="6214683"/>
+            <a:off x="2204225" y="5479788"/>
+            <a:ext cx="5573312" cy="672987"/>
+          </a:xfrm>
+          <a:prstGeom prst="rect">
+            <a:avLst/>
+          </a:prstGeom>
+          <a:solidFill>
+            <a:schemeClr val="bg2"/>
+          </a:solidFill>
+        </p:spPr>
+        <p:style>
+          <a:lnRef idx="2">
+            <a:schemeClr val="accent1">
+              <a:shade val="50000"/>
+            </a:schemeClr>
+          </a:lnRef>
+          <a:fillRef idx="1">
+            <a:schemeClr val="accent1"/>
+          </a:fillRef>
+          <a:effectRef idx="0">
+            <a:schemeClr val="accent1"/>
+          </a:effectRef>
+          <a:fontRef idx="minor">
+            <a:schemeClr val="lt1"/>
+          </a:fontRef>
+        </p:style>
+        <p:txBody>
+          <a:bodyPr rtlCol="0" anchor="ctr"/>
+          <a:lstStyle/>
+          <a:p>
+            <a:pPr algn="ctr"/>
+            <a:r>
+              <a:rPr lang="en-US" dirty="0" smtClean="0">
+                <a:solidFill>
+                  <a:schemeClr val="tx1"/>
+                </a:solidFill>
+              </a:rPr>
+              <a:t>EC2 Volumes </a:t>
+            </a:r>
+          </a:p>
+        </p:txBody>
+      </p:sp>
+      <p:sp>
+        <p:nvSpPr>
+          <p:cNvPr id="43" name="Rectangle 42"/>
+          <p:cNvSpPr/>
+          <p:nvPr/>
+        </p:nvSpPr>
+        <p:spPr>
+          <a:xfrm>
+            <a:off x="2530575" y="5532844"/>
+            <a:ext cx="1161759" cy="536015"/>
+          </a:xfrm>
+          <a:prstGeom prst="rect">
+            <a:avLst/>
+          </a:prstGeom>
+          <a:solidFill>
+            <a:schemeClr val="bg1"/>
+          </a:solidFill>
+        </p:spPr>
+        <p:style>
+          <a:lnRef idx="2">
+            <a:schemeClr val="accent1">
+              <a:shade val="50000"/>
+            </a:schemeClr>
+          </a:lnRef>
+          <a:fillRef idx="1">
+            <a:schemeClr val="accent1"/>
+          </a:fillRef>
+          <a:effectRef idx="0">
+            <a:schemeClr val="accent1"/>
+          </a:effectRef>
+          <a:fontRef idx="minor">
+            <a:schemeClr val="lt1"/>
+          </a:fontRef>
+        </p:style>
+        <p:txBody>
+          <a:bodyPr rtlCol="0" anchor="ctr"/>
+          <a:lstStyle/>
+          <a:p>
+            <a:pPr algn="ctr"/>
+            <a:r>
+              <a:rPr lang="en-US" sz="1300" dirty="0" smtClean="0">
+                <a:solidFill>
+                  <a:schemeClr val="tx1"/>
+                </a:solidFill>
+              </a:rPr>
+              <a:t>etcd-main</a:t>
+            </a:r>
+            <a:endParaRPr lang="en-US" sz="1300" dirty="0">
+              <a:solidFill>
+                <a:schemeClr val="tx1"/>
+              </a:solidFill>
+            </a:endParaRPr>
+          </a:p>
+        </p:txBody>
+      </p:sp>
+      <p:sp>
+        <p:nvSpPr>
+          <p:cNvPr id="34" name="Rectangle 33"/>
+          <p:cNvSpPr/>
+          <p:nvPr/>
+        </p:nvSpPr>
+        <p:spPr>
+          <a:xfrm>
+            <a:off x="6282996" y="5536310"/>
+            <a:ext cx="1161759" cy="536015"/>
+          </a:xfrm>
+          <a:prstGeom prst="rect">
+            <a:avLst/>
+          </a:prstGeom>
+          <a:solidFill>
+            <a:schemeClr val="bg1"/>
+          </a:solidFill>
+        </p:spPr>
+        <p:style>
+          <a:lnRef idx="2">
+            <a:schemeClr val="accent1">
+              <a:shade val="50000"/>
+            </a:schemeClr>
+          </a:lnRef>
+          <a:fillRef idx="1">
+            <a:schemeClr val="accent1"/>
+          </a:fillRef>
+          <a:effectRef idx="0">
+            <a:schemeClr val="accent1"/>
+          </a:effectRef>
+          <a:fontRef idx="minor">
+            <a:schemeClr val="lt1"/>
+          </a:fontRef>
+        </p:style>
+        <p:txBody>
+          <a:bodyPr rtlCol="0" anchor="ctr"/>
+          <a:lstStyle/>
+          <a:p>
+            <a:pPr algn="ctr"/>
+            <a:r>
+              <a:rPr lang="en-US" sz="1300" dirty="0" smtClean="0">
+                <a:solidFill>
+                  <a:schemeClr val="tx1"/>
+                </a:solidFill>
+              </a:rPr>
+              <a:t>etcd-events</a:t>
+            </a:r>
+            <a:endParaRPr lang="en-US" sz="1300" dirty="0">
+              <a:solidFill>
+                <a:schemeClr val="tx1"/>
+              </a:solidFill>
+            </a:endParaRPr>
+          </a:p>
+        </p:txBody>
+      </p:sp>
+      <p:sp>
+        <p:nvSpPr>
+          <p:cNvPr id="46" name="Rectangle 45"/>
+          <p:cNvSpPr/>
+          <p:nvPr/>
+        </p:nvSpPr>
+        <p:spPr>
+          <a:xfrm>
+            <a:off x="218458" y="1813526"/>
+            <a:ext cx="8556697" cy="505752"/>
+          </a:xfrm>
+          <a:prstGeom prst="rect">
+            <a:avLst/>
+          </a:prstGeom>
+        </p:spPr>
+        <p:style>
+          <a:lnRef idx="2">
+            <a:schemeClr val="accent1">
+              <a:shade val="50000"/>
+            </a:schemeClr>
+          </a:lnRef>
+          <a:fillRef idx="1">
+            <a:schemeClr val="accent1"/>
+          </a:fillRef>
+          <a:effectRef idx="0">
+            <a:schemeClr val="accent1"/>
+          </a:effectRef>
+          <a:fontRef idx="minor">
+            <a:schemeClr val="lt1"/>
+          </a:fontRef>
+        </p:style>
+        <p:txBody>
+          <a:bodyPr rtlCol="0" anchor="ctr"/>
+          <a:lstStyle/>
+          <a:p>
+            <a:pPr algn="ctr"/>
+            <a:endParaRPr lang="en-US" dirty="0"/>
+          </a:p>
+        </p:txBody>
+      </p:sp>
+      <p:sp>
+        <p:nvSpPr>
+          <p:cNvPr id="48" name="TextBox 47"/>
+          <p:cNvSpPr txBox="1"/>
+          <p:nvPr/>
+        </p:nvSpPr>
+        <p:spPr>
+          <a:xfrm>
+            <a:off x="332605" y="1881736"/>
+            <a:ext cx="1646826" cy="369332"/>
+          </a:xfrm>
+          <a:prstGeom prst="rect">
+            <a:avLst/>
+          </a:prstGeom>
+          <a:noFill/>
+        </p:spPr>
+        <p:txBody>
+          <a:bodyPr wrap="square" rtlCol="0">
+            <a:spAutoFit/>
+          </a:bodyPr>
+          <a:lstStyle/>
+          <a:p>
+            <a:r>
+              <a:rPr lang="en-US" dirty="0" smtClean="0"/>
+              <a:t>AWS Route 53</a:t>
+            </a:r>
+            <a:endParaRPr lang="en-US" dirty="0"/>
+          </a:p>
+        </p:txBody>
+      </p:sp>
+      <p:sp>
+        <p:nvSpPr>
+          <p:cNvPr id="53" name="Rectangle 52"/>
+          <p:cNvSpPr/>
+          <p:nvPr/>
+        </p:nvSpPr>
+        <p:spPr>
+          <a:xfrm>
+            <a:off x="3373407" y="1928852"/>
             <a:ext cx="2282277" cy="323681"/>
           </a:xfrm>
           <a:prstGeom prst="rect">
@@ -5424,7 +5568,7 @@
                   <a:schemeClr val="tx1"/>
                 </a:solidFill>
               </a:rPr>
-              <a:t>kubernetes-staging-*</a:t>
+              <a:t>Subdomain</a:t>
             </a:r>
             <a:endParaRPr lang="en-US" dirty="0">
               <a:solidFill>
@@ -5436,64 +5580,14 @@
       </p:sp>
       <p:sp>
         <p:nvSpPr>
-          <p:cNvPr id="41" name="Rectangle 40"/>
+          <p:cNvPr id="49" name="Rectangle 48"/>
           <p:cNvSpPr/>
           <p:nvPr/>
         </p:nvSpPr>
         <p:spPr>
           <a:xfrm>
-            <a:off x="2204225" y="5331303"/>
-            <a:ext cx="5573312" cy="672987"/>
-          </a:xfrm>
-          <a:prstGeom prst="rect">
-            <a:avLst/>
-          </a:prstGeom>
-          <a:solidFill>
-            <a:schemeClr val="bg2"/>
-          </a:solidFill>
-        </p:spPr>
-        <p:style>
-          <a:lnRef idx="2">
-            <a:schemeClr val="accent1">
-              <a:shade val="50000"/>
-            </a:schemeClr>
-          </a:lnRef>
-          <a:fillRef idx="1">
-            <a:schemeClr val="accent1"/>
-          </a:fillRef>
-          <a:effectRef idx="0">
-            <a:schemeClr val="accent1"/>
-          </a:effectRef>
-          <a:fontRef idx="minor">
-            <a:schemeClr val="lt1"/>
-          </a:fontRef>
-        </p:style>
-        <p:txBody>
-          <a:bodyPr rtlCol="0" anchor="ctr"/>
-          <a:lstStyle/>
-          <a:p>
-            <a:pPr algn="ctr"/>
-            <a:r>
-              <a:rPr lang="en-US" dirty="0" smtClean="0">
-                <a:solidFill>
-                  <a:schemeClr val="tx1"/>
-                </a:solidFill>
-              </a:rPr>
-              <a:t>EC2 Volumes </a:t>
-            </a:r>
-          </a:p>
-        </p:txBody>
-      </p:sp>
-      <p:sp>
-        <p:nvSpPr>
-          <p:cNvPr id="43" name="Rectangle 42"/>
-          <p:cNvSpPr/>
-          <p:nvPr/>
-        </p:nvSpPr>
-        <p:spPr>
-          <a:xfrm>
-            <a:off x="2530575" y="5392174"/>
-            <a:ext cx="1161759" cy="536015"/>
+            <a:off x="3192104" y="6340958"/>
+            <a:ext cx="2600400" cy="298181"/>
           </a:xfrm>
           <a:prstGeom prst="rect">
             <a:avLst/>
@@ -5522,20 +5616,31 @@
           <a:bodyPr rtlCol="0" anchor="ctr"/>
           <a:lstStyle/>
           <a:p>
-            <a:pPr algn="ctr"/>
-            <a:r>
-              <a:rPr lang="en-US" sz="1300" dirty="0" smtClean="0">
+            <a:r>
+              <a:rPr lang="en-US">
                 <a:solidFill>
                   <a:schemeClr val="tx1"/>
                 </a:solidFill>
               </a:rPr>
-              <a:t>k8s-master-pd</a:t>
-            </a:r>
-            <a:endParaRPr lang="en-US" sz="1300" dirty="0">
-              <a:solidFill>
-                <a:schemeClr val="tx1"/>
-              </a:solidFill>
-            </a:endParaRPr>
+              <a:t>Kubernetes </a:t>
+            </a:r>
+            <a:r>
+              <a:rPr lang="en-US" smtClean="0">
+                <a:solidFill>
+                  <a:schemeClr val="tx1"/>
+                </a:solidFill>
+              </a:rPr>
+              <a:t>Cluster </a:t>
+            </a:r>
+            <a:r>
+              <a:rPr lang="en-US" dirty="0" smtClean="0">
+                <a:solidFill>
+                  <a:schemeClr val="tx1"/>
+                </a:solidFill>
+              </a:rPr>
+              <a:t>State</a:t>
+            </a:r>
+            <a:endParaRPr lang="en-US" dirty="0"/>
           </a:p>
         </p:txBody>
       </p:sp>
@@ -5573,237 +5678,6 @@
       </p:grpSpPr>
       <p:sp>
         <p:nvSpPr>
-          <p:cNvPr id="2" name="Title 1"/>
-          <p:cNvSpPr>
-            <a:spLocks noGrp="1"/>
-          </p:cNvSpPr>
-          <p:nvPr>
-            <p:ph type="title"/>
-          </p:nvPr>
-        </p:nvSpPr>
-        <p:spPr/>
-        <p:txBody>
-          <a:bodyPr/>
-          <a:lstStyle/>
-          <a:p>
-            <a:r>
-              <a:rPr lang="en-US" dirty="0" smtClean="0"/>
-              <a:t>Kubernetes Setup</a:t>
-            </a:r>
-            <a:endParaRPr lang="en-US" dirty="0"/>
-          </a:p>
-        </p:txBody>
-      </p:sp>
-      <p:pic>
-        <p:nvPicPr>
-          <p:cNvPr id="3" name="Picture 2" descr="KAL-Logo.png"/>
-          <p:cNvPicPr>
-            <a:picLocks noChangeAspect="1"/>
-          </p:cNvPicPr>
-          <p:nvPr/>
-        </p:nvPicPr>
-        <p:blipFill>
-          <a:blip r:embed="rId2" cstate="print"/>
-          <a:stretch>
-            <a:fillRect/>
-          </a:stretch>
-        </p:blipFill>
-        <p:spPr>
-          <a:xfrm>
-            <a:off x="7848600" y="152400"/>
-            <a:ext cx="1143160" cy="762106"/>
-          </a:xfrm>
-          <a:prstGeom prst="rect">
-            <a:avLst/>
-          </a:prstGeom>
-        </p:spPr>
-      </p:pic>
-      <p:sp>
-        <p:nvSpPr>
-          <p:cNvPr id="4" name="TextBox 3"/>
-          <p:cNvSpPr txBox="1"/>
-          <p:nvPr/>
-        </p:nvSpPr>
-        <p:spPr>
-          <a:xfrm>
-            <a:off x="1263242" y="1367318"/>
-            <a:ext cx="6705600" cy="5047536"/>
-          </a:xfrm>
-          <a:prstGeom prst="rect">
-            <a:avLst/>
-          </a:prstGeom>
-          <a:noFill/>
-        </p:spPr>
-        <p:txBody>
-          <a:bodyPr wrap="square" rtlCol="0">
-            <a:spAutoFit/>
-          </a:bodyPr>
-          <a:lstStyle/>
-          <a:p>
-            <a:r>
-              <a:rPr lang="en-US" sz="1400" dirty="0" smtClean="0"/>
-              <a:t># configure aws client tools</a:t>
-            </a:r>
-          </a:p>
-          <a:p>
-            <a:r>
-              <a:rPr lang="en-US" sz="1400" dirty="0" smtClean="0"/>
-              <a:t>aws configure</a:t>
-            </a:r>
-          </a:p>
-          <a:p>
-            <a:endParaRPr lang="en-US" sz="1400" dirty="0" smtClean="0"/>
-          </a:p>
-          <a:p>
-            <a:r>
-              <a:rPr lang="en-US" sz="1400" dirty="0" smtClean="0"/>
-              <a:t># set kubernetes environment variables</a:t>
-            </a:r>
-          </a:p>
-          <a:p>
-            <a:r>
-              <a:rPr lang="en-US" sz="1400" dirty="0"/>
-              <a:t>export KUBERNETES_RELEASE=v1.4.3</a:t>
-            </a:r>
-          </a:p>
-          <a:p>
-            <a:r>
-              <a:rPr lang="en-US" sz="1400" dirty="0"/>
-              <a:t>export KUBERNETES_PROVIDER=aws</a:t>
-            </a:r>
-          </a:p>
-          <a:p>
-            <a:r>
-              <a:rPr lang="en-US" sz="1400" dirty="0"/>
-              <a:t>export KUBERNETES_SKIP_CONFIRM=true</a:t>
-            </a:r>
-          </a:p>
-          <a:p>
-            <a:endParaRPr lang="en-US" sz="1400" dirty="0" smtClean="0"/>
-          </a:p>
-          <a:p>
-            <a:r>
-              <a:rPr lang="en-US" sz="1400" dirty="0" smtClean="0"/>
-              <a:t># installation script</a:t>
-            </a:r>
-            <a:endParaRPr lang="en-US" sz="1400" dirty="0"/>
-          </a:p>
-          <a:p>
-            <a:r>
-              <a:rPr lang="en-US" sz="1400" dirty="0"/>
-              <a:t>curl -sS https://get.k8s.io | sed '$d' | </a:t>
-            </a:r>
-            <a:r>
-              <a:rPr lang="en-US" sz="1400" dirty="0" smtClean="0"/>
-              <a:t>bash</a:t>
-            </a:r>
-          </a:p>
-          <a:p>
-            <a:endParaRPr lang="en-US" sz="1400" dirty="0" smtClean="0"/>
-          </a:p>
-          <a:p>
-            <a:r>
-              <a:rPr lang="en-US" sz="1400" dirty="0"/>
-              <a:t># set kubernetes environment variables</a:t>
-            </a:r>
-          </a:p>
-          <a:p>
-            <a:r>
-              <a:rPr lang="en-US" sz="1400" dirty="0"/>
-              <a:t>export NUM_NODES=3</a:t>
-            </a:r>
-          </a:p>
-          <a:p>
-            <a:r>
-              <a:rPr lang="en-US" sz="1400" dirty="0"/>
-              <a:t>export KUBE_AWS_INSTANCE_PREFIX=k8s</a:t>
-            </a:r>
-          </a:p>
-          <a:p>
-            <a:r>
-              <a:rPr lang="en-US" sz="1400" dirty="0"/>
-              <a:t>export KUBE_AWS_ZONE=us-east-1a</a:t>
-            </a:r>
-          </a:p>
-          <a:p>
-            <a:r>
-              <a:rPr lang="en-US" sz="1400" dirty="0"/>
-              <a:t>export MASTER_SIZE=t2.micro</a:t>
-            </a:r>
-          </a:p>
-          <a:p>
-            <a:r>
-              <a:rPr lang="en-US" sz="1400" dirty="0"/>
-              <a:t>export AWS_S3_REGION=us-east-1</a:t>
-            </a:r>
-          </a:p>
-          <a:p>
-            <a:r>
-              <a:rPr lang="en-US" sz="1400" dirty="0"/>
-              <a:t>export NODE_SIZE=t2.micro</a:t>
-            </a:r>
-          </a:p>
-          <a:p>
-            <a:r>
-              <a:rPr lang="en-US" sz="1400" dirty="0"/>
-              <a:t>export KUBERNETES_PROVIDER=aws</a:t>
-            </a:r>
-          </a:p>
-          <a:p>
-            <a:endParaRPr lang="en-US" sz="1400" dirty="0" smtClean="0"/>
-          </a:p>
-          <a:p>
-            <a:endParaRPr lang="en-US" sz="1400" dirty="0" smtClean="0"/>
-          </a:p>
-          <a:p>
-            <a:r>
-              <a:rPr lang="en-US" sz="1400" dirty="0"/>
-              <a:t># start cluster (takes about 10 minutes)</a:t>
-            </a:r>
-          </a:p>
-          <a:p>
-            <a:r>
-              <a:rPr lang="en-US" sz="1400" dirty="0"/>
-              <a:t>kubernetes/cluster/kube-up.sh</a:t>
-            </a:r>
-            <a:endParaRPr lang="en-US" sz="1400" dirty="0" smtClean="0"/>
-          </a:p>
-        </p:txBody>
-      </p:sp>
-    </p:spTree>
-  </p:cSld>
-  <p:clrMapOvr>
-    <a:masterClrMapping/>
-  </p:clrMapOvr>
-  <p:timing>
-    <p:tnLst>
-      <p:par>
-        <p:cTn id="1" dur="indefinite" restart="never" nodeType="tmRoot"/>
-      </p:par>
-    </p:tnLst>
-  </p:timing>
-</p:sld>
-</file>
-
-<file path=ppt/slides/slide7.xml><?xml version="1.0" encoding="utf-8"?>
-<p:sld xmlns:a="http://schemas.openxmlformats.org/drawingml/2006/main" xmlns:r="http://schemas.openxmlformats.org/officeDocument/2006/relationships" xmlns:p="http://schemas.openxmlformats.org/presentationml/2006/main">
-  <p:cSld>
-    <p:spTree>
-      <p:nvGrpSpPr>
-        <p:cNvPr id="1" name=""/>
-        <p:cNvGrpSpPr/>
-        <p:nvPr/>
-      </p:nvGrpSpPr>
-      <p:grpSpPr>
-        <a:xfrm>
-          <a:off x="0" y="0"/>
-          <a:ext cx="0" cy="0"/>
-          <a:chOff x="0" y="0"/>
-          <a:chExt cx="0" cy="0"/>
-        </a:xfrm>
-      </p:grpSpPr>
-      <p:sp>
-        <p:nvSpPr>
           <p:cNvPr id="3" name="Title 1"/>
           <p:cNvSpPr>
             <a:spLocks noGrp="1"/>
@@ -5877,23 +5751,7 @@
             </a:pPr>
             <a:r>
               <a:rPr lang="en-US" dirty="0" smtClean="0"/>
-              <a:t>  To save time the amazon-linux-ami and the kubernetes cluster are </a:t>
-            </a:r>
-            <a:r>
-              <a:rPr lang="en-US" smtClean="0"/>
-              <a:t>already </a:t>
-            </a:r>
-            <a:r>
-              <a:rPr lang="en-US" smtClean="0"/>
-              <a:t>provisioned </a:t>
-            </a:r>
-            <a:r>
-              <a:rPr lang="en-US" dirty="0" smtClean="0"/>
-              <a:t>and </a:t>
-            </a:r>
-            <a:r>
-              <a:rPr lang="en-US" dirty="0" smtClean="0"/>
-              <a:t>running</a:t>
+              <a:t>  To save time the amazon-linux-ami and the kubernetes cluster are already provisioned and running</a:t>
             </a:r>
           </a:p>
           <a:p>
@@ -5966,7 +5824,7 @@
 </p:sld>
 </file>
 
-<file path=ppt/slides/slide8.xml><?xml version="1.0" encoding="utf-8"?>
+<file path=ppt/slides/slide7.xml><?xml version="1.0" encoding="utf-8"?>
 <p:sld xmlns:a="http://schemas.openxmlformats.org/drawingml/2006/main" xmlns:r="http://schemas.openxmlformats.org/officeDocument/2006/relationships" xmlns:p="http://schemas.openxmlformats.org/presentationml/2006/main">
   <p:cSld>
     <p:spTree>
@@ -6045,7 +5903,7 @@
 </p:sld>
 </file>
 
-<file path=ppt/slides/slide9.xml><?xml version="1.0" encoding="utf-8"?>
+<file path=ppt/slides/slide8.xml><?xml version="1.0" encoding="utf-8"?>
 <p:sld xmlns:a="http://schemas.openxmlformats.org/drawingml/2006/main" xmlns:r="http://schemas.openxmlformats.org/officeDocument/2006/relationships" xmlns:p="http://schemas.openxmlformats.org/presentationml/2006/main">
   <p:cSld>
     <p:spTree>
